--- a/документы/Выступление/Музей страшных мест.pptx
+++ b/документы/Выступление/Музей страшных мест.pptx
@@ -114,6 +114,11 @@
       </a:defRPr>
     </a:lvl9pPr>
   </p:defaultTextStyle>
+  <p:extLst>
+    <p:ext uri="{EFAFB233-063F-42B5-8137-9DF3F51BA10A}">
+      <p15:sldGuideLst xmlns:p15="http://schemas.microsoft.com/office/powerpoint/2012/main"/>
+    </p:ext>
+  </p:extLst>
 </p:presentation>
 </file>
 
@@ -264,7 +269,7 @@
           <a:p>
             <a:fld id="{76969C88-B244-455D-A017-012B25B1ACDD}" type="datetimeFigureOut">
               <a:rPr lang="en-US" smtClean="0"/>
-              <a:t>6/27/2024</a:t>
+              <a:t>6/28/2024</a:t>
             </a:fld>
             <a:endParaRPr lang="en-US"/>
           </a:p>
@@ -462,7 +467,7 @@
           <a:p>
             <a:fld id="{76969C88-B244-455D-A017-012B25B1ACDD}" type="datetimeFigureOut">
               <a:rPr lang="en-US" smtClean="0"/>
-              <a:t>6/27/2024</a:t>
+              <a:t>6/28/2024</a:t>
             </a:fld>
             <a:endParaRPr lang="en-US"/>
           </a:p>
@@ -670,7 +675,7 @@
           <a:p>
             <a:fld id="{76969C88-B244-455D-A017-012B25B1ACDD}" type="datetimeFigureOut">
               <a:rPr lang="en-US" smtClean="0"/>
-              <a:t>6/27/2024</a:t>
+              <a:t>6/28/2024</a:t>
             </a:fld>
             <a:endParaRPr lang="en-US"/>
           </a:p>
@@ -869,7 +874,7 @@
           <a:p>
             <a:fld id="{76969C88-B244-455D-A017-012B25B1ACDD}" type="datetimeFigureOut">
               <a:rPr lang="en-US" smtClean="0"/>
-              <a:t>6/27/2024</a:t>
+              <a:t>6/28/2024</a:t>
             </a:fld>
             <a:endParaRPr lang="en-US"/>
           </a:p>
@@ -1144,7 +1149,7 @@
           <a:p>
             <a:fld id="{76969C88-B244-455D-A017-012B25B1ACDD}" type="datetimeFigureOut">
               <a:rPr lang="en-US" smtClean="0"/>
-              <a:t>6/27/2024</a:t>
+              <a:t>6/28/2024</a:t>
             </a:fld>
             <a:endParaRPr lang="en-US"/>
           </a:p>
@@ -1409,7 +1414,7 @@
           <a:p>
             <a:fld id="{76969C88-B244-455D-A017-012B25B1ACDD}" type="datetimeFigureOut">
               <a:rPr lang="en-US" smtClean="0"/>
-              <a:t>6/27/2024</a:t>
+              <a:t>6/28/2024</a:t>
             </a:fld>
             <a:endParaRPr lang="en-US"/>
           </a:p>
@@ -1821,7 +1826,7 @@
           <a:p>
             <a:fld id="{76969C88-B244-455D-A017-012B25B1ACDD}" type="datetimeFigureOut">
               <a:rPr lang="en-US" smtClean="0"/>
-              <a:t>6/27/2024</a:t>
+              <a:t>6/28/2024</a:t>
             </a:fld>
             <a:endParaRPr lang="en-US"/>
           </a:p>
@@ -1962,7 +1967,7 @@
           <a:p>
             <a:fld id="{76969C88-B244-455D-A017-012B25B1ACDD}" type="datetimeFigureOut">
               <a:rPr lang="en-US" smtClean="0"/>
-              <a:t>6/27/2024</a:t>
+              <a:t>6/28/2024</a:t>
             </a:fld>
             <a:endParaRPr lang="en-US"/>
           </a:p>
@@ -2075,7 +2080,7 @@
           <a:p>
             <a:fld id="{76969C88-B244-455D-A017-012B25B1ACDD}" type="datetimeFigureOut">
               <a:rPr lang="en-US" smtClean="0"/>
-              <a:t>6/27/2024</a:t>
+              <a:t>6/28/2024</a:t>
             </a:fld>
             <a:endParaRPr lang="en-US"/>
           </a:p>
@@ -2387,7 +2392,7 @@
           <a:p>
             <a:fld id="{76969C88-B244-455D-A017-012B25B1ACDD}" type="datetimeFigureOut">
               <a:rPr lang="en-US" smtClean="0"/>
-              <a:t>6/27/2024</a:t>
+              <a:t>6/28/2024</a:t>
             </a:fld>
             <a:endParaRPr lang="en-US"/>
           </a:p>
@@ -2678,7 +2683,7 @@
           <a:p>
             <a:fld id="{76969C88-B244-455D-A017-012B25B1ACDD}" type="datetimeFigureOut">
               <a:rPr lang="en-US" smtClean="0"/>
-              <a:t>6/27/2024</a:t>
+              <a:t>6/28/2024</a:t>
             </a:fld>
             <a:endParaRPr lang="en-US"/>
           </a:p>
@@ -3434,7 +3439,7 @@
             <a:fld id="{76969C88-B244-455D-A017-012B25B1ACDD}" type="datetimeFigureOut">
               <a:rPr lang="en-US" smtClean="0"/>
               <a:pPr/>
-              <a:t>6/27/2024</a:t>
+              <a:t>6/28/2024</a:t>
             </a:fld>
             <a:endParaRPr lang="en-US"/>
           </a:p>
@@ -4001,8 +4006,8 @@
         </p:nvSpPr>
         <p:spPr>
           <a:xfrm>
-            <a:off x="6255945" y="4571999"/>
-            <a:ext cx="5174053" cy="1524000"/>
+            <a:off x="4988459" y="4571999"/>
+            <a:ext cx="6441540" cy="1524000"/>
           </a:xfrm>
         </p:spPr>
         <p:txBody>
@@ -4011,7 +4016,7 @@
           </a:bodyPr>
           <a:lstStyle/>
           <a:p>
-            <a:pPr algn="l"/>
+            <a:pPr algn="r"/>
             <a:r>
               <a:rPr lang="ru-RU" dirty="0"/>
               <a:t>Михайлов Илья 22919</a:t>
@@ -4029,7 +4034,11 @@
             <a:pPr algn="l"/>
             <a:r>
               <a:rPr lang="en-US" dirty="0"/>
-              <a:t>GitHub – https://github.com/cvrsdz</a:t>
+              <a:t>GitHub – </a:t>
+            </a:r>
+            <a:r>
+              <a:rPr lang="en-US" sz="2000" dirty="0"/>
+              <a:t>https://github.com/cvrsdz/MDK/tree/main</a:t>
             </a:r>
             <a:endParaRPr lang="ru-RU" dirty="0"/>
           </a:p>
@@ -4304,13 +4313,13 @@
   <p:clrMapOvr>
     <a:masterClrMapping/>
   </p:clrMapOvr>
-  <mc:AlternateContent xmlns:mc="http://schemas.openxmlformats.org/markup-compatibility/2006">
-    <mc:Choice xmlns:p14="http://schemas.microsoft.com/office/powerpoint/2010/main" Requires="p14">
+  <mc:AlternateContent xmlns:mc="http://schemas.openxmlformats.org/markup-compatibility/2006" xmlns:p14="http://schemas.microsoft.com/office/powerpoint/2010/main">
+    <mc:Choice Requires="p14">
       <p:transition spd="slow" p14:dur="3400">
         <p14:reveal/>
       </p:transition>
     </mc:Choice>
-    <mc:Fallback>
+    <mc:Fallback xmlns="">
       <p:transition spd="slow">
         <p:fade/>
       </p:transition>
@@ -4530,13 +4539,13 @@
   <p:clrMapOvr>
     <a:masterClrMapping/>
   </p:clrMapOvr>
-  <mc:AlternateContent xmlns:mc="http://schemas.openxmlformats.org/markup-compatibility/2006">
-    <mc:Choice xmlns:p14="http://schemas.microsoft.com/office/powerpoint/2010/main" Requires="p14">
+  <mc:AlternateContent xmlns:mc="http://schemas.openxmlformats.org/markup-compatibility/2006" xmlns:p14="http://schemas.microsoft.com/office/powerpoint/2010/main">
+    <mc:Choice Requires="p14">
       <p:transition spd="slow" p14:dur="3400">
         <p14:reveal/>
       </p:transition>
     </mc:Choice>
-    <mc:Fallback>
+    <mc:Fallback xmlns="">
       <p:transition spd="slow">
         <p:fade/>
       </p:transition>
@@ -4738,225 +4747,55 @@
       </p:sp>
       <p:sp>
         <p:nvSpPr>
-          <p:cNvPr id="10" name="Подзаголовок 2">
-            <a:extLst>
-              <a:ext uri="{FF2B5EF4-FFF2-40B4-BE49-F238E27FC236}">
-                <a16:creationId xmlns:a16="http://schemas.microsoft.com/office/drawing/2014/main" id="{CD12491C-0294-9BBE-814C-FD2B9C52D6E8}"/>
-              </a:ext>
-            </a:extLst>
-          </p:cNvPr>
-          <p:cNvSpPr txBox="1">
-            <a:spLocks/>
-          </p:cNvSpPr>
-          <p:nvPr/>
+          <p:cNvPr id="3" name="Подзаголовок 2">
+            <a:extLst>
+              <a:ext uri="{FF2B5EF4-FFF2-40B4-BE49-F238E27FC236}">
+                <a16:creationId xmlns:a16="http://schemas.microsoft.com/office/drawing/2014/main" id="{74370A04-AAC8-6D84-F605-B3F42C0B1F9A}"/>
+              </a:ext>
+            </a:extLst>
+          </p:cNvPr>
+          <p:cNvSpPr>
+            <a:spLocks noGrp="1"/>
+          </p:cNvSpPr>
+          <p:nvPr>
+            <p:ph type="subTitle" idx="1"/>
+          </p:nvPr>
         </p:nvSpPr>
         <p:spPr>
           <a:xfrm>
-            <a:off x="6255945" y="4571999"/>
-            <a:ext cx="5174053" cy="1524000"/>
-          </a:xfrm>
-          <a:prstGeom prst="rect">
-            <a:avLst/>
-          </a:prstGeom>
-        </p:spPr>
-        <p:txBody>
-          <a:bodyPr vert="horz" lIns="91440" tIns="45720" rIns="91440" bIns="45720" rtlCol="0">
+            <a:off x="4988459" y="4571999"/>
+            <a:ext cx="6441540" cy="1524000"/>
+          </a:xfrm>
+        </p:spPr>
+        <p:txBody>
+          <a:bodyPr>
             <a:normAutofit/>
           </a:bodyPr>
-          <a:lstStyle>
-            <a:lvl1pPr marL="0" indent="0" algn="ctr" defTabSz="914400" rtl="0" eaLnBrk="1" latinLnBrk="0" hangingPunct="1">
-              <a:lnSpc>
-                <a:spcPct val="125000"/>
-              </a:lnSpc>
-              <a:spcBef>
-                <a:spcPts val="1000"/>
-              </a:spcBef>
-              <a:buFont typeface="Arial" panose="020B0604020202020204" pitchFamily="34" charset="0"/>
-              <a:buNone/>
-              <a:defRPr sz="2400" kern="1200">
-                <a:solidFill>
-                  <a:schemeClr val="tx1">
-                    <a:alpha val="70000"/>
-                  </a:schemeClr>
-                </a:solidFill>
-                <a:latin typeface="+mn-lt"/>
-                <a:ea typeface="+mn-ea"/>
-                <a:cs typeface="+mn-cs"/>
-              </a:defRPr>
-            </a:lvl1pPr>
-            <a:lvl2pPr marL="457200" indent="0" algn="ctr" defTabSz="914400" rtl="0" eaLnBrk="1" latinLnBrk="0" hangingPunct="1">
-              <a:lnSpc>
-                <a:spcPct val="125000"/>
-              </a:lnSpc>
-              <a:spcBef>
-                <a:spcPts val="500"/>
-              </a:spcBef>
-              <a:buFont typeface="Arial" panose="020B0604020202020204" pitchFamily="34" charset="0"/>
-              <a:buNone/>
-              <a:defRPr sz="2000" kern="1200">
-                <a:solidFill>
-                  <a:schemeClr val="tx1">
-                    <a:alpha val="70000"/>
-                  </a:schemeClr>
-                </a:solidFill>
-                <a:latin typeface="+mn-lt"/>
-                <a:ea typeface="+mn-ea"/>
-                <a:cs typeface="+mn-cs"/>
-              </a:defRPr>
-            </a:lvl2pPr>
-            <a:lvl3pPr marL="914400" indent="0" algn="ctr" defTabSz="914400" rtl="0" eaLnBrk="1" latinLnBrk="0" hangingPunct="1">
-              <a:lnSpc>
-                <a:spcPct val="125000"/>
-              </a:lnSpc>
-              <a:spcBef>
-                <a:spcPts val="500"/>
-              </a:spcBef>
-              <a:buFont typeface="Arial" panose="020B0604020202020204" pitchFamily="34" charset="0"/>
-              <a:buNone/>
-              <a:defRPr sz="1800" kern="1200">
-                <a:solidFill>
-                  <a:schemeClr val="tx1">
-                    <a:alpha val="70000"/>
-                  </a:schemeClr>
-                </a:solidFill>
-                <a:latin typeface="+mn-lt"/>
-                <a:ea typeface="+mn-ea"/>
-                <a:cs typeface="+mn-cs"/>
-              </a:defRPr>
-            </a:lvl3pPr>
-            <a:lvl4pPr marL="1371600" indent="0" algn="ctr" defTabSz="914400" rtl="0" eaLnBrk="1" latinLnBrk="0" hangingPunct="1">
-              <a:lnSpc>
-                <a:spcPct val="125000"/>
-              </a:lnSpc>
-              <a:spcBef>
-                <a:spcPts val="500"/>
-              </a:spcBef>
-              <a:buFont typeface="Arial" panose="020B0604020202020204" pitchFamily="34" charset="0"/>
-              <a:buNone/>
-              <a:defRPr sz="1600" kern="1200">
-                <a:solidFill>
-                  <a:schemeClr val="tx1">
-                    <a:alpha val="70000"/>
-                  </a:schemeClr>
-                </a:solidFill>
-                <a:latin typeface="+mn-lt"/>
-                <a:ea typeface="+mn-ea"/>
-                <a:cs typeface="+mn-cs"/>
-              </a:defRPr>
-            </a:lvl4pPr>
-            <a:lvl5pPr marL="1828800" indent="0" algn="ctr" defTabSz="914400" rtl="0" eaLnBrk="1" latinLnBrk="0" hangingPunct="1">
-              <a:lnSpc>
-                <a:spcPct val="125000"/>
-              </a:lnSpc>
-              <a:spcBef>
-                <a:spcPts val="500"/>
-              </a:spcBef>
-              <a:buFont typeface="Arial" panose="020B0604020202020204" pitchFamily="34" charset="0"/>
-              <a:buNone/>
-              <a:defRPr sz="1600" kern="1200">
-                <a:solidFill>
-                  <a:schemeClr val="tx1">
-                    <a:alpha val="70000"/>
-                  </a:schemeClr>
-                </a:solidFill>
-                <a:latin typeface="+mn-lt"/>
-                <a:ea typeface="+mn-ea"/>
-                <a:cs typeface="+mn-cs"/>
-              </a:defRPr>
-            </a:lvl5pPr>
-            <a:lvl6pPr marL="2286000" indent="0" algn="ctr" defTabSz="914400" rtl="0" eaLnBrk="1" latinLnBrk="0" hangingPunct="1">
-              <a:lnSpc>
-                <a:spcPct val="90000"/>
-              </a:lnSpc>
-              <a:spcBef>
-                <a:spcPts val="500"/>
-              </a:spcBef>
-              <a:buFont typeface="Arial" panose="020B0604020202020204" pitchFamily="34" charset="0"/>
-              <a:buNone/>
-              <a:defRPr sz="1600" kern="1200">
-                <a:solidFill>
-                  <a:schemeClr val="tx1"/>
-                </a:solidFill>
-                <a:latin typeface="+mn-lt"/>
-                <a:ea typeface="+mn-ea"/>
-                <a:cs typeface="+mn-cs"/>
-              </a:defRPr>
-            </a:lvl6pPr>
-            <a:lvl7pPr marL="2743200" indent="0" algn="ctr" defTabSz="914400" rtl="0" eaLnBrk="1" latinLnBrk="0" hangingPunct="1">
-              <a:lnSpc>
-                <a:spcPct val="90000"/>
-              </a:lnSpc>
-              <a:spcBef>
-                <a:spcPts val="500"/>
-              </a:spcBef>
-              <a:buFont typeface="Arial" panose="020B0604020202020204" pitchFamily="34" charset="0"/>
-              <a:buNone/>
-              <a:defRPr sz="1600" kern="1200">
-                <a:solidFill>
-                  <a:schemeClr val="tx1"/>
-                </a:solidFill>
-                <a:latin typeface="+mn-lt"/>
-                <a:ea typeface="+mn-ea"/>
-                <a:cs typeface="+mn-cs"/>
-              </a:defRPr>
-            </a:lvl7pPr>
-            <a:lvl8pPr marL="3200400" indent="0" algn="ctr" defTabSz="914400" rtl="0" eaLnBrk="1" latinLnBrk="0" hangingPunct="1">
-              <a:lnSpc>
-                <a:spcPct val="90000"/>
-              </a:lnSpc>
-              <a:spcBef>
-                <a:spcPts val="500"/>
-              </a:spcBef>
-              <a:buFont typeface="Arial" panose="020B0604020202020204" pitchFamily="34" charset="0"/>
-              <a:buNone/>
-              <a:defRPr sz="1600" kern="1200">
-                <a:solidFill>
-                  <a:schemeClr val="tx1"/>
-                </a:solidFill>
-                <a:latin typeface="+mn-lt"/>
-                <a:ea typeface="+mn-ea"/>
-                <a:cs typeface="+mn-cs"/>
-              </a:defRPr>
-            </a:lvl8pPr>
-            <a:lvl9pPr marL="3657600" indent="0" algn="ctr" defTabSz="914400" rtl="0" eaLnBrk="1" latinLnBrk="0" hangingPunct="1">
-              <a:lnSpc>
-                <a:spcPct val="90000"/>
-              </a:lnSpc>
-              <a:spcBef>
-                <a:spcPts val="500"/>
-              </a:spcBef>
-              <a:buFont typeface="Arial" panose="020B0604020202020204" pitchFamily="34" charset="0"/>
-              <a:buNone/>
-              <a:defRPr sz="1600" kern="1200">
-                <a:solidFill>
-                  <a:schemeClr val="tx1"/>
-                </a:solidFill>
-                <a:latin typeface="+mn-lt"/>
-                <a:ea typeface="+mn-ea"/>
-                <a:cs typeface="+mn-cs"/>
-              </a:defRPr>
-            </a:lvl9pPr>
-          </a:lstStyle>
+          <a:lstStyle/>
+          <a:p>
+            <a:pPr algn="r"/>
+            <a:r>
+              <a:rPr lang="ru-RU" dirty="0"/>
+              <a:t>Михайлов Илья 22919</a:t>
+            </a:r>
+            <a:r>
+              <a:rPr lang="en-US" dirty="0"/>
+              <a:t>/</a:t>
+            </a:r>
+            <a:r>
+              <a:rPr lang="ru-RU" dirty="0"/>
+              <a:t>1</a:t>
+            </a:r>
+          </a:p>
           <a:p>
             <a:pPr algn="l"/>
             <a:r>
-              <a:rPr lang="ru-RU"/>
-              <a:t>Михайлов Илья 22919</a:t>
-            </a:r>
-            <a:r>
-              <a:rPr lang="en-US"/>
-              <a:t>/</a:t>
-            </a:r>
-            <a:r>
-              <a:rPr lang="ru-RU"/>
-              <a:t>1</a:t>
-            </a:r>
-          </a:p>
-          <a:p>
-            <a:pPr algn="l"/>
-            <a:r>
-              <a:rPr lang="en-US"/>
-              <a:t>GitHub – https://github.com/cvrsdz</a:t>
+              <a:rPr lang="en-US" dirty="0"/>
+              <a:t>GitHub – </a:t>
+            </a:r>
+            <a:r>
+              <a:rPr lang="en-US" sz="2000" dirty="0"/>
+              <a:t>https://github.com/cvrsdz/MDK/tree/main</a:t>
             </a:r>
             <a:endParaRPr lang="ru-RU" dirty="0"/>
           </a:p>
@@ -4972,13 +4811,13 @@
   <p:clrMapOvr>
     <a:masterClrMapping/>
   </p:clrMapOvr>
-  <mc:AlternateContent xmlns:mc="http://schemas.openxmlformats.org/markup-compatibility/2006">
-    <mc:Choice xmlns:p14="http://schemas.microsoft.com/office/powerpoint/2010/main" Requires="p14">
+  <mc:AlternateContent xmlns:mc="http://schemas.openxmlformats.org/markup-compatibility/2006" xmlns:p14="http://schemas.microsoft.com/office/powerpoint/2010/main">
+    <mc:Choice Requires="p14">
       <p:transition spd="slow" p14:dur="3400">
         <p14:reveal/>
       </p:transition>
     </mc:Choice>
-    <mc:Fallback>
+    <mc:Fallback xmlns="">
       <p:transition spd="slow">
         <p:fade/>
       </p:transition>
@@ -5123,13 +4962,13 @@
   <p:clrMapOvr>
     <a:masterClrMapping/>
   </p:clrMapOvr>
-  <mc:AlternateContent xmlns:mc="http://schemas.openxmlformats.org/markup-compatibility/2006">
-    <mc:Choice xmlns:p14="http://schemas.microsoft.com/office/powerpoint/2010/main" Requires="p14">
+  <mc:AlternateContent xmlns:mc="http://schemas.openxmlformats.org/markup-compatibility/2006" xmlns:p14="http://schemas.microsoft.com/office/powerpoint/2010/main">
+    <mc:Choice Requires="p14">
       <p:transition spd="slow" p14:dur="3400">
         <p14:reveal/>
       </p:transition>
     </mc:Choice>
-    <mc:Fallback>
+    <mc:Fallback xmlns="">
       <p:transition spd="slow">
         <p:fade/>
       </p:transition>
@@ -5885,13 +5724,13 @@
   <p:clrMapOvr>
     <a:masterClrMapping/>
   </p:clrMapOvr>
-  <mc:AlternateContent xmlns:mc="http://schemas.openxmlformats.org/markup-compatibility/2006">
-    <mc:Choice xmlns:p14="http://schemas.microsoft.com/office/powerpoint/2010/main" Requires="p14">
+  <mc:AlternateContent xmlns:mc="http://schemas.openxmlformats.org/markup-compatibility/2006" xmlns:p14="http://schemas.microsoft.com/office/powerpoint/2010/main">
+    <mc:Choice Requires="p14">
       <p:transition spd="slow" p14:dur="3400">
         <p14:reveal/>
       </p:transition>
     </mc:Choice>
-    <mc:Fallback>
+    <mc:Fallback xmlns="">
       <p:transition spd="slow">
         <p:fade/>
       </p:transition>
@@ -6060,13 +5899,13 @@
   <p:clrMapOvr>
     <a:masterClrMapping/>
   </p:clrMapOvr>
-  <mc:AlternateContent xmlns:mc="http://schemas.openxmlformats.org/markup-compatibility/2006">
-    <mc:Choice xmlns:p14="http://schemas.microsoft.com/office/powerpoint/2010/main" Requires="p14">
+  <mc:AlternateContent xmlns:mc="http://schemas.openxmlformats.org/markup-compatibility/2006" xmlns:p14="http://schemas.microsoft.com/office/powerpoint/2010/main">
+    <mc:Choice Requires="p14">
       <p:transition spd="slow" p14:dur="3400">
         <p14:reveal/>
       </p:transition>
     </mc:Choice>
-    <mc:Fallback>
+    <mc:Fallback xmlns="">
       <p:transition spd="slow">
         <p:fade/>
       </p:transition>
@@ -6229,13 +6068,13 @@
   <p:clrMapOvr>
     <a:masterClrMapping/>
   </p:clrMapOvr>
-  <mc:AlternateContent xmlns:mc="http://schemas.openxmlformats.org/markup-compatibility/2006">
-    <mc:Choice xmlns:p14="http://schemas.microsoft.com/office/powerpoint/2010/main" Requires="p14">
+  <mc:AlternateContent xmlns:mc="http://schemas.openxmlformats.org/markup-compatibility/2006" xmlns:p14="http://schemas.microsoft.com/office/powerpoint/2010/main">
+    <mc:Choice Requires="p14">
       <p:transition spd="slow" p14:dur="3400">
         <p14:reveal/>
       </p:transition>
     </mc:Choice>
-    <mc:Fallback>
+    <mc:Fallback xmlns="">
       <p:transition spd="slow">
         <p:fade/>
       </p:transition>
@@ -7771,13 +7610,13 @@
   <p:clrMapOvr>
     <a:masterClrMapping/>
   </p:clrMapOvr>
-  <mc:AlternateContent xmlns:mc="http://schemas.openxmlformats.org/markup-compatibility/2006">
-    <mc:Choice xmlns:p14="http://schemas.microsoft.com/office/powerpoint/2010/main" Requires="p14">
+  <mc:AlternateContent xmlns:mc="http://schemas.openxmlformats.org/markup-compatibility/2006" xmlns:p14="http://schemas.microsoft.com/office/powerpoint/2010/main">
+    <mc:Choice Requires="p14">
       <p:transition spd="slow" p14:dur="3400">
         <p14:reveal/>
       </p:transition>
     </mc:Choice>
-    <mc:Fallback>
+    <mc:Fallback xmlns="">
       <p:transition spd="slow">
         <p:fade/>
       </p:transition>
@@ -8029,13 +7868,13 @@
   <p:clrMapOvr>
     <a:masterClrMapping/>
   </p:clrMapOvr>
-  <mc:AlternateContent xmlns:mc="http://schemas.openxmlformats.org/markup-compatibility/2006">
-    <mc:Choice xmlns:p14="http://schemas.microsoft.com/office/powerpoint/2010/main" Requires="p14">
+  <mc:AlternateContent xmlns:mc="http://schemas.openxmlformats.org/markup-compatibility/2006" xmlns:p14="http://schemas.microsoft.com/office/powerpoint/2010/main">
+    <mc:Choice Requires="p14">
       <p:transition spd="slow" p14:dur="3400">
         <p14:reveal/>
       </p:transition>
     </mc:Choice>
-    <mc:Fallback>
+    <mc:Fallback xmlns="">
       <p:transition spd="slow">
         <p:fade/>
       </p:transition>
@@ -8198,13 +8037,13 @@
   <p:clrMapOvr>
     <a:masterClrMapping/>
   </p:clrMapOvr>
-  <mc:AlternateContent xmlns:mc="http://schemas.openxmlformats.org/markup-compatibility/2006">
-    <mc:Choice xmlns:p14="http://schemas.microsoft.com/office/powerpoint/2010/main" Requires="p14">
+  <mc:AlternateContent xmlns:mc="http://schemas.openxmlformats.org/markup-compatibility/2006" xmlns:p14="http://schemas.microsoft.com/office/powerpoint/2010/main">
+    <mc:Choice Requires="p14">
       <p:transition spd="slow" p14:dur="3400">
         <p14:reveal/>
       </p:transition>
     </mc:Choice>
-    <mc:Fallback>
+    <mc:Fallback xmlns="">
       <p:transition spd="slow">
         <p:fade/>
       </p:transition>
@@ -8406,13 +8245,13 @@
   <p:clrMapOvr>
     <a:masterClrMapping/>
   </p:clrMapOvr>
-  <mc:AlternateContent xmlns:mc="http://schemas.openxmlformats.org/markup-compatibility/2006">
-    <mc:Choice xmlns:p14="http://schemas.microsoft.com/office/powerpoint/2010/main" Requires="p14">
+  <mc:AlternateContent xmlns:mc="http://schemas.openxmlformats.org/markup-compatibility/2006" xmlns:p14="http://schemas.microsoft.com/office/powerpoint/2010/main">
+    <mc:Choice Requires="p14">
       <p:transition spd="slow" p14:dur="3400">
         <p14:reveal/>
       </p:transition>
     </mc:Choice>
-    <mc:Fallback>
+    <mc:Fallback xmlns="">
       <p:transition spd="slow">
         <p:fade/>
       </p:transition>
